--- a/sp-auto-door-unlocker-slides.pptx
+++ b/sp-auto-door-unlocker-slides.pptx
@@ -127,6 +127,10 @@
 </p:presentation>
 </file>
 
+<file path=ppt/revisionInfo.xml><?xml version="1.0" encoding="utf-8"?>
+<p1510:revInfo xmlns:a="http://schemas.openxmlformats.org/drawingml/2006/main" xmlns:r="http://schemas.openxmlformats.org/officeDocument/2006/relationships" xmlns:p1510="http://schemas.microsoft.com/office/powerpoint/2015/10/main"/>
+</file>
+
 <file path=ppt/notesMasters/notesMaster1.xml><?xml version="1.0" encoding="utf-8"?>
 <p:notesMaster xmlns:a="http://schemas.openxmlformats.org/drawingml/2006/main" xmlns:r="http://schemas.openxmlformats.org/officeDocument/2006/relationships" xmlns:p="http://schemas.openxmlformats.org/presentationml/2006/main">
   <p:cSld>
@@ -209,7 +213,7 @@
           <a:p>
             <a:fld id="{F617A69D-9FCE-4A6F-B867-5530CBD4EA21}" type="datetimeFigureOut">
               <a:rPr lang="en-SG" smtClean="0"/>
-              <a:t>23/4/2017</a:t>
+              <a:t>3/5/2017</a:t>
             </a:fld>
             <a:endParaRPr lang="en-SG"/>
           </a:p>
@@ -608,7 +612,7 @@
           <a:p>
             <a:fld id="{27EC4344-9C76-4F45-99A8-D61915B124C3}" type="datetime1">
               <a:rPr lang="en-SG" smtClean="0"/>
-              <a:t>23/4/2017</a:t>
+              <a:t>3/5/2017</a:t>
             </a:fld>
             <a:endParaRPr lang="en-SG"/>
           </a:p>
@@ -778,7 +782,7 @@
           <a:p>
             <a:fld id="{902428D4-E18F-425F-898C-0C89F3B30962}" type="datetime1">
               <a:rPr lang="en-SG" smtClean="0"/>
-              <a:t>23/4/2017</a:t>
+              <a:t>3/5/2017</a:t>
             </a:fld>
             <a:endParaRPr lang="en-SG"/>
           </a:p>
@@ -958,7 +962,7 @@
           <a:p>
             <a:fld id="{567343DE-AC2E-474E-9C48-FA55BBB72386}" type="datetime1">
               <a:rPr lang="en-SG" smtClean="0"/>
-              <a:t>23/4/2017</a:t>
+              <a:t>3/5/2017</a:t>
             </a:fld>
             <a:endParaRPr lang="en-SG"/>
           </a:p>
@@ -1128,7 +1132,7 @@
           <a:p>
             <a:fld id="{87768F01-D7B3-4E11-BF9E-499DDCA45371}" type="datetime1">
               <a:rPr lang="en-SG" smtClean="0"/>
-              <a:t>23/4/2017</a:t>
+              <a:t>3/5/2017</a:t>
             </a:fld>
             <a:endParaRPr lang="en-SG"/>
           </a:p>
@@ -1374,7 +1378,7 @@
           <a:p>
             <a:fld id="{1EA1973C-A542-4AC7-AA34-E54DA463D62E}" type="datetime1">
               <a:rPr lang="en-SG" smtClean="0"/>
-              <a:t>23/4/2017</a:t>
+              <a:t>3/5/2017</a:t>
             </a:fld>
             <a:endParaRPr lang="en-SG"/>
           </a:p>
@@ -1606,7 +1610,7 @@
           <a:p>
             <a:fld id="{324CE717-249B-4218-BEBF-1866AB4E5495}" type="datetime1">
               <a:rPr lang="en-SG" smtClean="0"/>
-              <a:t>23/4/2017</a:t>
+              <a:t>3/5/2017</a:t>
             </a:fld>
             <a:endParaRPr lang="en-SG"/>
           </a:p>
@@ -1973,7 +1977,7 @@
           <a:p>
             <a:fld id="{EEBA242E-BD9C-43E9-8164-0DCD41E44CE1}" type="datetime1">
               <a:rPr lang="en-SG" smtClean="0"/>
-              <a:t>23/4/2017</a:t>
+              <a:t>3/5/2017</a:t>
             </a:fld>
             <a:endParaRPr lang="en-SG"/>
           </a:p>
@@ -2091,7 +2095,7 @@
           <a:p>
             <a:fld id="{3052E1B0-A67B-4AF2-85F3-663C1081A735}" type="datetime1">
               <a:rPr lang="en-SG" smtClean="0"/>
-              <a:t>23/4/2017</a:t>
+              <a:t>3/5/2017</a:t>
             </a:fld>
             <a:endParaRPr lang="en-SG"/>
           </a:p>
@@ -2186,7 +2190,7 @@
           <a:p>
             <a:fld id="{1C9B96D8-3718-4D78-B5EF-231DAD027036}" type="datetime1">
               <a:rPr lang="en-SG" smtClean="0"/>
-              <a:t>23/4/2017</a:t>
+              <a:t>3/5/2017</a:t>
             </a:fld>
             <a:endParaRPr lang="en-SG"/>
           </a:p>
@@ -2463,7 +2467,7 @@
           <a:p>
             <a:fld id="{304CA23F-60A8-46B9-A42E-5F3DDAA49A58}" type="datetime1">
               <a:rPr lang="en-SG" smtClean="0"/>
-              <a:t>23/4/2017</a:t>
+              <a:t>3/5/2017</a:t>
             </a:fld>
             <a:endParaRPr lang="en-SG"/>
           </a:p>
@@ -2716,7 +2720,7 @@
           <a:p>
             <a:fld id="{0C28DC5E-3418-4615-BC9B-010FE4998FA3}" type="datetime1">
               <a:rPr lang="en-SG" smtClean="0"/>
-              <a:t>23/4/2017</a:t>
+              <a:t>3/5/2017</a:t>
             </a:fld>
             <a:endParaRPr lang="en-SG"/>
           </a:p>
@@ -2929,7 +2933,7 @@
           <a:p>
             <a:fld id="{B70A7BC0-8930-4508-9FAC-59BA39918572}" type="datetime1">
               <a:rPr lang="en-SG" smtClean="0"/>
-              <a:t>23/4/2017</a:t>
+              <a:t>3/5/2017</a:t>
             </a:fld>
             <a:endParaRPr lang="en-SG"/>
           </a:p>
@@ -4581,6 +4585,36 @@
           </a:p>
         </p:txBody>
       </p:sp>
+      <p:pic>
+        <p:nvPicPr>
+          <p:cNvPr id="6" name="Picture 5"/>
+          <p:cNvPicPr>
+            <a:picLocks noChangeAspect="1"/>
+          </p:cNvPicPr>
+          <p:nvPr/>
+        </p:nvPicPr>
+        <p:blipFill>
+          <a:blip r:embed="rId2">
+            <a:extLst>
+              <a:ext uri="{28A0092B-C50C-407E-A947-70E740481C1C}">
+                <a14:useLocalDpi xmlns:a14="http://schemas.microsoft.com/office/drawing/2010/main" val="0"/>
+              </a:ext>
+            </a:extLst>
+          </a:blip>
+          <a:stretch>
+            <a:fillRect/>
+          </a:stretch>
+        </p:blipFill>
+        <p:spPr>
+          <a:xfrm>
+            <a:off x="8799870" y="365125"/>
+            <a:ext cx="3189414" cy="3138721"/>
+          </a:xfrm>
+          <a:prstGeom prst="rect">
+            <a:avLst/>
+          </a:prstGeom>
+        </p:spPr>
+      </p:pic>
     </p:spTree>
     <p:extLst>
       <p:ext uri="{BB962C8B-B14F-4D97-AF65-F5344CB8AC3E}">
@@ -7084,6 +7118,41 @@
                                   </p:childTnLst>
                                 </p:cTn>
                               </p:par>
+                              <p:par>
+                                <p:cTn id="20" presetID="10" presetClass="entr" presetSubtype="0" fill="hold" grpId="0" nodeType="withEffect">
+                                  <p:stCondLst>
+                                    <p:cond delay="0"/>
+                                  </p:stCondLst>
+                                  <p:childTnLst>
+                                    <p:set>
+                                      <p:cBhvr>
+                                        <p:cTn id="21" dur="1" fill="hold">
+                                          <p:stCondLst>
+                                            <p:cond delay="0"/>
+                                          </p:stCondLst>
+                                        </p:cTn>
+                                        <p:tgtEl>
+                                          <p:spTgt spid="11"/>
+                                        </p:tgtEl>
+                                        <p:attrNameLst>
+                                          <p:attrName>style.visibility</p:attrName>
+                                        </p:attrNameLst>
+                                      </p:cBhvr>
+                                      <p:to>
+                                        <p:strVal val="visible"/>
+                                      </p:to>
+                                    </p:set>
+                                    <p:animEffect transition="in" filter="fade">
+                                      <p:cBhvr>
+                                        <p:cTn id="22" dur="500"/>
+                                        <p:tgtEl>
+                                          <p:spTgt spid="11"/>
+                                        </p:tgtEl>
+                                      </p:cBhvr>
+                                    </p:animEffect>
+                                  </p:childTnLst>
+                                </p:cTn>
+                              </p:par>
                             </p:childTnLst>
                           </p:cTn>
                         </p:par>
@@ -7091,26 +7160,26 @@
                     </p:cTn>
                   </p:par>
                   <p:par>
-                    <p:cTn id="20" fill="hold">
+                    <p:cTn id="23" fill="hold">
                       <p:stCondLst>
                         <p:cond delay="indefinite"/>
                       </p:stCondLst>
                       <p:childTnLst>
                         <p:par>
-                          <p:cTn id="21" fill="hold">
+                          <p:cTn id="24" fill="hold">
                             <p:stCondLst>
                               <p:cond delay="0"/>
                             </p:stCondLst>
                             <p:childTnLst>
                               <p:par>
-                                <p:cTn id="22" presetID="10" presetClass="entr" presetSubtype="0" fill="hold" nodeType="clickEffect">
+                                <p:cTn id="25" presetID="10" presetClass="entr" presetSubtype="0" fill="hold" nodeType="clickEffect">
                                   <p:stCondLst>
                                     <p:cond delay="0"/>
                                   </p:stCondLst>
                                   <p:childTnLst>
                                     <p:set>
                                       <p:cBhvr>
-                                        <p:cTn id="23" dur="1" fill="hold">
+                                        <p:cTn id="26" dur="1" fill="hold">
                                           <p:stCondLst>
                                             <p:cond delay="0"/>
                                           </p:stCondLst>
@@ -7132,7 +7201,7 @@
                                     </p:set>
                                     <p:animEffect transition="in" filter="fade">
                                       <p:cBhvr>
-                                        <p:cTn id="24" dur="500"/>
+                                        <p:cTn id="27" dur="500"/>
                                         <p:tgtEl>
                                           <p:spTgt spid="3">
                                             <p:txEl>
@@ -7146,14 +7215,14 @@
                                 </p:cTn>
                               </p:par>
                               <p:par>
-                                <p:cTn id="25" presetID="10" presetClass="entr" presetSubtype="0" fill="hold" nodeType="withEffect">
+                                <p:cTn id="28" presetID="10" presetClass="entr" presetSubtype="0" fill="hold" nodeType="withEffect">
                                   <p:stCondLst>
                                     <p:cond delay="0"/>
                                   </p:stCondLst>
                                   <p:childTnLst>
                                     <p:set>
                                       <p:cBhvr>
-                                        <p:cTn id="26" dur="1" fill="hold">
+                                        <p:cTn id="29" dur="1" fill="hold">
                                           <p:stCondLst>
                                             <p:cond delay="0"/>
                                           </p:stCondLst>
@@ -7175,7 +7244,7 @@
                                     </p:set>
                                     <p:animEffect transition="in" filter="fade">
                                       <p:cBhvr>
-                                        <p:cTn id="27" dur="500"/>
+                                        <p:cTn id="30" dur="500"/>
                                         <p:tgtEl>
                                           <p:spTgt spid="3">
                                             <p:txEl>
@@ -7218,6 +7287,7 @@
     <p:bldLst>
       <p:bldP spid="8" grpId="0"/>
       <p:bldP spid="9" grpId="0"/>
+      <p:bldP spid="11" grpId="0"/>
     </p:bldLst>
   </p:timing>
 </p:sld>

--- a/sp-auto-door-unlocker-slides.pptx
+++ b/sp-auto-door-unlocker-slides.pptx
@@ -9,8 +9,8 @@
   </p:notesMasterIdLst>
   <p:sldIdLst>
     <p:sldId id="257" r:id="rId2"/>
-    <p:sldId id="290" r:id="rId3"/>
-    <p:sldId id="292" r:id="rId4"/>
+    <p:sldId id="292" r:id="rId3"/>
+    <p:sldId id="290" r:id="rId4"/>
     <p:sldId id="293" r:id="rId5"/>
     <p:sldId id="294" r:id="rId6"/>
     <p:sldId id="295" r:id="rId7"/>
@@ -213,7 +213,7 @@
           <a:p>
             <a:fld id="{F617A69D-9FCE-4A6F-B867-5530CBD4EA21}" type="datetimeFigureOut">
               <a:rPr lang="en-SG" smtClean="0"/>
-              <a:t>3/5/2017</a:t>
+              <a:t>3/5/17</a:t>
             </a:fld>
             <a:endParaRPr lang="en-SG"/>
           </a:p>
@@ -612,7 +612,7 @@
           <a:p>
             <a:fld id="{27EC4344-9C76-4F45-99A8-D61915B124C3}" type="datetime1">
               <a:rPr lang="en-SG" smtClean="0"/>
-              <a:t>3/5/2017</a:t>
+              <a:t>3/5/17</a:t>
             </a:fld>
             <a:endParaRPr lang="en-SG"/>
           </a:p>
@@ -782,7 +782,7 @@
           <a:p>
             <a:fld id="{902428D4-E18F-425F-898C-0C89F3B30962}" type="datetime1">
               <a:rPr lang="en-SG" smtClean="0"/>
-              <a:t>3/5/2017</a:t>
+              <a:t>3/5/17</a:t>
             </a:fld>
             <a:endParaRPr lang="en-SG"/>
           </a:p>
@@ -962,7 +962,7 @@
           <a:p>
             <a:fld id="{567343DE-AC2E-474E-9C48-FA55BBB72386}" type="datetime1">
               <a:rPr lang="en-SG" smtClean="0"/>
-              <a:t>3/5/2017</a:t>
+              <a:t>3/5/17</a:t>
             </a:fld>
             <a:endParaRPr lang="en-SG"/>
           </a:p>
@@ -1132,7 +1132,7 @@
           <a:p>
             <a:fld id="{87768F01-D7B3-4E11-BF9E-499DDCA45371}" type="datetime1">
               <a:rPr lang="en-SG" smtClean="0"/>
-              <a:t>3/5/2017</a:t>
+              <a:t>3/5/17</a:t>
             </a:fld>
             <a:endParaRPr lang="en-SG"/>
           </a:p>
@@ -1378,7 +1378,7 @@
           <a:p>
             <a:fld id="{1EA1973C-A542-4AC7-AA34-E54DA463D62E}" type="datetime1">
               <a:rPr lang="en-SG" smtClean="0"/>
-              <a:t>3/5/2017</a:t>
+              <a:t>3/5/17</a:t>
             </a:fld>
             <a:endParaRPr lang="en-SG"/>
           </a:p>
@@ -1610,7 +1610,7 @@
           <a:p>
             <a:fld id="{324CE717-249B-4218-BEBF-1866AB4E5495}" type="datetime1">
               <a:rPr lang="en-SG" smtClean="0"/>
-              <a:t>3/5/2017</a:t>
+              <a:t>3/5/17</a:t>
             </a:fld>
             <a:endParaRPr lang="en-SG"/>
           </a:p>
@@ -1977,7 +1977,7 @@
           <a:p>
             <a:fld id="{EEBA242E-BD9C-43E9-8164-0DCD41E44CE1}" type="datetime1">
               <a:rPr lang="en-SG" smtClean="0"/>
-              <a:t>3/5/2017</a:t>
+              <a:t>3/5/17</a:t>
             </a:fld>
             <a:endParaRPr lang="en-SG"/>
           </a:p>
@@ -2095,7 +2095,7 @@
           <a:p>
             <a:fld id="{3052E1B0-A67B-4AF2-85F3-663C1081A735}" type="datetime1">
               <a:rPr lang="en-SG" smtClean="0"/>
-              <a:t>3/5/2017</a:t>
+              <a:t>3/5/17</a:t>
             </a:fld>
             <a:endParaRPr lang="en-SG"/>
           </a:p>
@@ -2190,7 +2190,7 @@
           <a:p>
             <a:fld id="{1C9B96D8-3718-4D78-B5EF-231DAD027036}" type="datetime1">
               <a:rPr lang="en-SG" smtClean="0"/>
-              <a:t>3/5/2017</a:t>
+              <a:t>3/5/17</a:t>
             </a:fld>
             <a:endParaRPr lang="en-SG"/>
           </a:p>
@@ -2467,7 +2467,7 @@
           <a:p>
             <a:fld id="{304CA23F-60A8-46B9-A42E-5F3DDAA49A58}" type="datetime1">
               <a:rPr lang="en-SG" smtClean="0"/>
-              <a:t>3/5/2017</a:t>
+              <a:t>3/5/17</a:t>
             </a:fld>
             <a:endParaRPr lang="en-SG"/>
           </a:p>
@@ -2720,7 +2720,7 @@
           <a:p>
             <a:fld id="{0C28DC5E-3418-4615-BC9B-010FE4998FA3}" type="datetime1">
               <a:rPr lang="en-SG" smtClean="0"/>
-              <a:t>3/5/2017</a:t>
+              <a:t>3/5/17</a:t>
             </a:fld>
             <a:endParaRPr lang="en-SG"/>
           </a:p>
@@ -2933,7 +2933,7 @@
           <a:p>
             <a:fld id="{B70A7BC0-8930-4508-9FAC-59BA39918572}" type="datetime1">
               <a:rPr lang="en-SG" smtClean="0"/>
-              <a:t>3/5/2017</a:t>
+              <a:t>3/5/17</a:t>
             </a:fld>
             <a:endParaRPr lang="en-SG"/>
           </a:p>
@@ -3598,6 +3598,13 @@
       </p:transition>
     </mc:Fallback>
   </mc:AlternateContent>
+  <p:timing>
+    <p:tnLst>
+      <p:par>
+        <p:cTn id="1" dur="indefinite" restart="never" nodeType="tmRoot"/>
+      </p:par>
+    </p:tnLst>
+  </p:timing>
 </p:sld>
 </file>
 
@@ -3767,6 +3774,13 @@
   <p:clrMapOvr>
     <a:masterClrMapping/>
   </p:clrMapOvr>
+  <p:timing>
+    <p:tnLst>
+      <p:par>
+        <p:cTn id="1" dur="indefinite" restart="never" nodeType="tmRoot"/>
+      </p:par>
+    </p:tnLst>
+  </p:timing>
 </p:sld>
 </file>
 
@@ -3907,6 +3921,13 @@
   <p:clrMapOvr>
     <a:masterClrMapping/>
   </p:clrMapOvr>
+  <p:timing>
+    <p:tnLst>
+      <p:par>
+        <p:cTn id="1" dur="indefinite" restart="never" nodeType="tmRoot"/>
+      </p:par>
+    </p:tnLst>
+  </p:timing>
 </p:sld>
 </file>
 
@@ -4037,6 +4058,13 @@
   <p:clrMapOvr>
     <a:masterClrMapping/>
   </p:clrMapOvr>
+  <p:timing>
+    <p:tnLst>
+      <p:par>
+        <p:cTn id="1" dur="indefinite" restart="never" nodeType="tmRoot"/>
+      </p:par>
+    </p:tnLst>
+  </p:timing>
 </p:sld>
 </file>
 
@@ -4243,6 +4271,13 @@
   <p:clrMapOvr>
     <a:masterClrMapping/>
   </p:clrMapOvr>
+  <p:timing>
+    <p:tnLst>
+      <p:par>
+        <p:cTn id="1" dur="indefinite" restart="never" nodeType="tmRoot"/>
+      </p:par>
+    </p:tnLst>
+  </p:timing>
 </p:sld>
 </file>
 
@@ -4273,19 +4308,71 @@
             <p:ph type="title"/>
           </p:nvPr>
         </p:nvSpPr>
-        <p:spPr>
-          <a:xfrm>
-            <a:off x="0" y="1"/>
-            <a:ext cx="10515600" cy="1020162"/>
-          </a:xfrm>
-        </p:spPr>
-        <p:txBody>
-          <a:bodyPr/>
-          <a:lstStyle/>
-          <a:p>
-            <a:r>
-              <a:rPr lang="en-SG" dirty="0"/>
-              <a:t>Demo Video</a:t>
+        <p:spPr/>
+        <p:txBody>
+          <a:bodyPr>
+            <a:normAutofit/>
+          </a:bodyPr>
+          <a:lstStyle/>
+          <a:p>
+            <a:r>
+              <a:rPr lang="en-SG" sz="5400" dirty="0"/>
+              <a:t>Problem?</a:t>
+            </a:r>
+          </a:p>
+        </p:txBody>
+      </p:sp>
+      <p:sp>
+        <p:nvSpPr>
+          <p:cNvPr id="3" name="Content Placeholder 2"/>
+          <p:cNvSpPr>
+            <a:spLocks noGrp="1"/>
+          </p:cNvSpPr>
+          <p:nvPr>
+            <p:ph idx="1"/>
+          </p:nvPr>
+        </p:nvSpPr>
+        <p:spPr/>
+        <p:txBody>
+          <a:bodyPr>
+            <a:normAutofit/>
+          </a:bodyPr>
+          <a:lstStyle/>
+          <a:p>
+            <a:r>
+              <a:rPr lang="en-SG" sz="3200" dirty="0"/>
+              <a:t>Tap staff pass on exit</a:t>
+            </a:r>
+          </a:p>
+          <a:p>
+            <a:pPr lvl="1"/>
+            <a:r>
+              <a:rPr lang="en-SG" sz="2800" dirty="0"/>
+              <a:t>Trouble for visitors</a:t>
+            </a:r>
+          </a:p>
+          <a:p>
+            <a:pPr lvl="1"/>
+            <a:r>
+              <a:rPr lang="en-SG" sz="2800" dirty="0"/>
+              <a:t>Hassle of taking out pass</a:t>
+            </a:r>
+          </a:p>
+          <a:p>
+            <a:pPr lvl="1"/>
+            <a:endParaRPr lang="en-SG" sz="2800" dirty="0"/>
+          </a:p>
+          <a:p>
+            <a:r>
+              <a:rPr lang="en-SG" sz="3200" dirty="0"/>
+              <a:t>Solution: </a:t>
+            </a:r>
+          </a:p>
+          <a:p>
+            <a:pPr lvl="1"/>
+            <a:r>
+              <a:rPr lang="en-SG" sz="2800" dirty="0"/>
+              <a:t>Exit without tapping pass</a:t>
             </a:r>
           </a:p>
         </p:txBody>
@@ -4308,278 +4395,6 @@
             <a:fld id="{7F3DC627-92ED-4797-BC05-7A4F006D1DB2}" type="slidenum">
               <a:rPr lang="en-SG" smtClean="0"/>
               <a:t>2</a:t>
-            </a:fld>
-            <a:endParaRPr lang="en-SG"/>
-          </a:p>
-        </p:txBody>
-      </p:sp>
-      <p:pic>
-        <p:nvPicPr>
-          <p:cNvPr id="5" name="IeWPlm1Xaz0">
-            <a:hlinkClick r:id="" action="ppaction://media"/>
-          </p:cNvPr>
-          <p:cNvPicPr>
-            <a:picLocks noRot="1" noChangeAspect="1"/>
-          </p:cNvPicPr>
-          <p:nvPr>
-            <a:videoFile r:link="rId1"/>
-          </p:nvPr>
-        </p:nvPicPr>
-        <p:blipFill>
-          <a:blip r:embed="rId3"/>
-          <a:stretch>
-            <a:fillRect/>
-          </a:stretch>
-        </p:blipFill>
-        <p:spPr>
-          <a:xfrm>
-            <a:off x="2498433" y="1020162"/>
-            <a:ext cx="6622475" cy="4966856"/>
-          </a:xfrm>
-          <a:prstGeom prst="rect">
-            <a:avLst/>
-          </a:prstGeom>
-        </p:spPr>
-      </p:pic>
-      <p:sp>
-        <p:nvSpPr>
-          <p:cNvPr id="7" name="TextBox 6"/>
-          <p:cNvSpPr txBox="1"/>
-          <p:nvPr/>
-        </p:nvSpPr>
-        <p:spPr>
-          <a:xfrm>
-            <a:off x="3333769" y="5987018"/>
-            <a:ext cx="4951805" cy="369332"/>
-          </a:xfrm>
-          <a:prstGeom prst="rect">
-            <a:avLst/>
-          </a:prstGeom>
-          <a:noFill/>
-        </p:spPr>
-        <p:txBody>
-          <a:bodyPr wrap="none" rtlCol="0">
-            <a:spAutoFit/>
-          </a:bodyPr>
-          <a:lstStyle/>
-          <a:p>
-            <a:r>
-              <a:rPr lang="en-SG" dirty="0">
-                <a:hlinkClick r:id="rId4"/>
-              </a:rPr>
-              <a:t>https://www.youtube.com/watch?v=IeWPlm1Xaz0</a:t>
-            </a:r>
-            <a:endParaRPr lang="en-SG" dirty="0"/>
-          </a:p>
-        </p:txBody>
-      </p:sp>
-    </p:spTree>
-    <p:extLst>
-      <p:ext uri="{BB962C8B-B14F-4D97-AF65-F5344CB8AC3E}">
-        <p14:creationId xmlns:p14="http://schemas.microsoft.com/office/powerpoint/2010/main" val="1506374846"/>
-      </p:ext>
-    </p:extLst>
-  </p:cSld>
-  <p:clrMapOvr>
-    <a:masterClrMapping/>
-  </p:clrMapOvr>
-  <p:timing>
-    <p:tnLst>
-      <p:par>
-        <p:cTn id="1" dur="indefinite" restart="never" nodeType="tmRoot">
-          <p:childTnLst>
-            <p:seq concurrent="1" nextAc="seek">
-              <p:cTn id="2" restart="whenNotActive" fill="hold" evtFilter="cancelBubble" nodeType="interactiveSeq">
-                <p:stCondLst>
-                  <p:cond evt="onClick" delay="0">
-                    <p:tgtEl>
-                      <p:spTgt spid="5"/>
-                    </p:tgtEl>
-                  </p:cond>
-                </p:stCondLst>
-                <p:endSync evt="end" delay="0">
-                  <p:rtn val="all"/>
-                </p:endSync>
-                <p:childTnLst>
-                  <p:par>
-                    <p:cTn id="3" fill="hold">
-                      <p:stCondLst>
-                        <p:cond delay="0"/>
-                      </p:stCondLst>
-                      <p:childTnLst>
-                        <p:par>
-                          <p:cTn id="4" fill="hold">
-                            <p:stCondLst>
-                              <p:cond delay="0"/>
-                            </p:stCondLst>
-                            <p:childTnLst>
-                              <p:par>
-                                <p:cTn id="5" presetID="2" presetClass="mediacall" presetSubtype="0" fill="hold" nodeType="clickEffect">
-                                  <p:stCondLst>
-                                    <p:cond delay="0"/>
-                                  </p:stCondLst>
-                                  <p:childTnLst>
-                                    <p:cmd type="call" cmd="togglePause">
-                                      <p:cBhvr>
-                                        <p:cTn id="6" dur="1" fill="hold"/>
-                                        <p:tgtEl>
-                                          <p:spTgt spid="5"/>
-                                        </p:tgtEl>
-                                      </p:cBhvr>
-                                    </p:cmd>
-                                  </p:childTnLst>
-                                </p:cTn>
-                              </p:par>
-                            </p:childTnLst>
-                          </p:cTn>
-                        </p:par>
-                      </p:childTnLst>
-                    </p:cTn>
-                  </p:par>
-                </p:childTnLst>
-              </p:cTn>
-              <p:nextCondLst>
-                <p:cond evt="onClick" delay="0">
-                  <p:tgtEl>
-                    <p:spTgt spid="5"/>
-                  </p:tgtEl>
-                </p:cond>
-              </p:nextCondLst>
-            </p:seq>
-            <p:video>
-              <p:cMediaNode vol="80000">
-                <p:cTn id="7" fill="hold" display="0">
-                  <p:stCondLst>
-                    <p:cond delay="indefinite"/>
-                  </p:stCondLst>
-                </p:cTn>
-                <p:tgtEl>
-                  <p:spTgt spid="5"/>
-                </p:tgtEl>
-              </p:cMediaNode>
-            </p:video>
-          </p:childTnLst>
-        </p:cTn>
-      </p:par>
-    </p:tnLst>
-  </p:timing>
-</p:sld>
-</file>
-
-<file path=ppt/slides/slide3.xml><?xml version="1.0" encoding="utf-8"?>
-<p:sld xmlns:a="http://schemas.openxmlformats.org/drawingml/2006/main" xmlns:r="http://schemas.openxmlformats.org/officeDocument/2006/relationships" xmlns:p="http://schemas.openxmlformats.org/presentationml/2006/main">
-  <p:cSld>
-    <p:spTree>
-      <p:nvGrpSpPr>
-        <p:cNvPr id="1" name=""/>
-        <p:cNvGrpSpPr/>
-        <p:nvPr/>
-      </p:nvGrpSpPr>
-      <p:grpSpPr>
-        <a:xfrm>
-          <a:off x="0" y="0"/>
-          <a:ext cx="0" cy="0"/>
-          <a:chOff x="0" y="0"/>
-          <a:chExt cx="0" cy="0"/>
-        </a:xfrm>
-      </p:grpSpPr>
-      <p:sp>
-        <p:nvSpPr>
-          <p:cNvPr id="2" name="Title 1"/>
-          <p:cNvSpPr>
-            <a:spLocks noGrp="1"/>
-          </p:cNvSpPr>
-          <p:nvPr>
-            <p:ph type="title"/>
-          </p:nvPr>
-        </p:nvSpPr>
-        <p:spPr/>
-        <p:txBody>
-          <a:bodyPr>
-            <a:normAutofit/>
-          </a:bodyPr>
-          <a:lstStyle/>
-          <a:p>
-            <a:r>
-              <a:rPr lang="en-SG" sz="5400" dirty="0"/>
-              <a:t>Problem?</a:t>
-            </a:r>
-          </a:p>
-        </p:txBody>
-      </p:sp>
-      <p:sp>
-        <p:nvSpPr>
-          <p:cNvPr id="3" name="Content Placeholder 2"/>
-          <p:cNvSpPr>
-            <a:spLocks noGrp="1"/>
-          </p:cNvSpPr>
-          <p:nvPr>
-            <p:ph idx="1"/>
-          </p:nvPr>
-        </p:nvSpPr>
-        <p:spPr/>
-        <p:txBody>
-          <a:bodyPr>
-            <a:normAutofit/>
-          </a:bodyPr>
-          <a:lstStyle/>
-          <a:p>
-            <a:r>
-              <a:rPr lang="en-SG" sz="3200" dirty="0"/>
-              <a:t>Tap staff pass on exit</a:t>
-            </a:r>
-          </a:p>
-          <a:p>
-            <a:pPr lvl="1"/>
-            <a:r>
-              <a:rPr lang="en-SG" sz="2800" dirty="0"/>
-              <a:t>Trouble for visitors</a:t>
-            </a:r>
-          </a:p>
-          <a:p>
-            <a:pPr lvl="1"/>
-            <a:r>
-              <a:rPr lang="en-SG" sz="2800" dirty="0"/>
-              <a:t>Hassle of taking out pass</a:t>
-            </a:r>
-          </a:p>
-          <a:p>
-            <a:pPr lvl="1"/>
-            <a:endParaRPr lang="en-SG" sz="2800" dirty="0"/>
-          </a:p>
-          <a:p>
-            <a:r>
-              <a:rPr lang="en-SG" sz="3200" dirty="0"/>
-              <a:t>Solution: </a:t>
-            </a:r>
-          </a:p>
-          <a:p>
-            <a:pPr lvl="1"/>
-            <a:r>
-              <a:rPr lang="en-SG" sz="2800" dirty="0"/>
-              <a:t>Exit without tapping pass</a:t>
-            </a:r>
-          </a:p>
-        </p:txBody>
-      </p:sp>
-      <p:sp>
-        <p:nvSpPr>
-          <p:cNvPr id="4" name="Slide Number Placeholder 3"/>
-          <p:cNvSpPr>
-            <a:spLocks noGrp="1"/>
-          </p:cNvSpPr>
-          <p:nvPr>
-            <p:ph type="sldNum" sz="quarter" idx="12"/>
-          </p:nvPr>
-        </p:nvSpPr>
-        <p:spPr/>
-        <p:txBody>
-          <a:bodyPr/>
-          <a:lstStyle/>
-          <a:p>
-            <a:fld id="{7F3DC627-92ED-4797-BC05-7A4F006D1DB2}" type="slidenum">
-              <a:rPr lang="en-SG" smtClean="0"/>
-              <a:t>3</a:t>
             </a:fld>
             <a:endParaRPr lang="en-SG"/>
           </a:p>
@@ -4754,6 +4569,226 @@
                 </p:cond>
               </p:nextCondLst>
             </p:seq>
+          </p:childTnLst>
+        </p:cTn>
+      </p:par>
+    </p:tnLst>
+  </p:timing>
+</p:sld>
+</file>
+
+<file path=ppt/slides/slide3.xml><?xml version="1.0" encoding="utf-8"?>
+<p:sld xmlns:a="http://schemas.openxmlformats.org/drawingml/2006/main" xmlns:r="http://schemas.openxmlformats.org/officeDocument/2006/relationships" xmlns:p="http://schemas.openxmlformats.org/presentationml/2006/main">
+  <p:cSld>
+    <p:spTree>
+      <p:nvGrpSpPr>
+        <p:cNvPr id="1" name=""/>
+        <p:cNvGrpSpPr/>
+        <p:nvPr/>
+      </p:nvGrpSpPr>
+      <p:grpSpPr>
+        <a:xfrm>
+          <a:off x="0" y="0"/>
+          <a:ext cx="0" cy="0"/>
+          <a:chOff x="0" y="0"/>
+          <a:chExt cx="0" cy="0"/>
+        </a:xfrm>
+      </p:grpSpPr>
+      <p:sp>
+        <p:nvSpPr>
+          <p:cNvPr id="2" name="Title 1"/>
+          <p:cNvSpPr>
+            <a:spLocks noGrp="1"/>
+          </p:cNvSpPr>
+          <p:nvPr>
+            <p:ph type="title"/>
+          </p:nvPr>
+        </p:nvSpPr>
+        <p:spPr>
+          <a:xfrm>
+            <a:off x="0" y="1"/>
+            <a:ext cx="10515600" cy="1020162"/>
+          </a:xfrm>
+        </p:spPr>
+        <p:txBody>
+          <a:bodyPr/>
+          <a:lstStyle/>
+          <a:p>
+            <a:r>
+              <a:rPr lang="en-SG" dirty="0"/>
+              <a:t>Demo Video</a:t>
+            </a:r>
+          </a:p>
+        </p:txBody>
+      </p:sp>
+      <p:sp>
+        <p:nvSpPr>
+          <p:cNvPr id="4" name="Slide Number Placeholder 3"/>
+          <p:cNvSpPr>
+            <a:spLocks noGrp="1"/>
+          </p:cNvSpPr>
+          <p:nvPr>
+            <p:ph type="sldNum" sz="quarter" idx="12"/>
+          </p:nvPr>
+        </p:nvSpPr>
+        <p:spPr/>
+        <p:txBody>
+          <a:bodyPr/>
+          <a:lstStyle/>
+          <a:p>
+            <a:fld id="{7F3DC627-92ED-4797-BC05-7A4F006D1DB2}" type="slidenum">
+              <a:rPr lang="en-SG" smtClean="0"/>
+              <a:t>3</a:t>
+            </a:fld>
+            <a:endParaRPr lang="en-SG"/>
+          </a:p>
+        </p:txBody>
+      </p:sp>
+      <p:pic>
+        <p:nvPicPr>
+          <p:cNvPr id="5" name="IeWPlm1Xaz0">
+            <a:hlinkClick r:id="" action="ppaction://media"/>
+          </p:cNvPr>
+          <p:cNvPicPr>
+            <a:picLocks noRot="1" noChangeAspect="1"/>
+          </p:cNvPicPr>
+          <p:nvPr>
+            <a:videoFile r:link="rId1"/>
+          </p:nvPr>
+        </p:nvPicPr>
+        <p:blipFill>
+          <a:blip r:embed="rId3"/>
+          <a:stretch>
+            <a:fillRect/>
+          </a:stretch>
+        </p:blipFill>
+        <p:spPr>
+          <a:xfrm>
+            <a:off x="2498433" y="1020162"/>
+            <a:ext cx="6622475" cy="4966856"/>
+          </a:xfrm>
+          <a:prstGeom prst="rect">
+            <a:avLst/>
+          </a:prstGeom>
+        </p:spPr>
+      </p:pic>
+      <p:sp>
+        <p:nvSpPr>
+          <p:cNvPr id="7" name="TextBox 6"/>
+          <p:cNvSpPr txBox="1"/>
+          <p:nvPr/>
+        </p:nvSpPr>
+        <p:spPr>
+          <a:xfrm>
+            <a:off x="3333769" y="5987018"/>
+            <a:ext cx="4951805" cy="369332"/>
+          </a:xfrm>
+          <a:prstGeom prst="rect">
+            <a:avLst/>
+          </a:prstGeom>
+          <a:noFill/>
+        </p:spPr>
+        <p:txBody>
+          <a:bodyPr wrap="none" rtlCol="0">
+            <a:spAutoFit/>
+          </a:bodyPr>
+          <a:lstStyle/>
+          <a:p>
+            <a:r>
+              <a:rPr lang="en-SG" dirty="0">
+                <a:hlinkClick r:id="rId4"/>
+              </a:rPr>
+              <a:t>https://www.youtube.com/watch?v=IeWPlm1Xaz0</a:t>
+            </a:r>
+            <a:endParaRPr lang="en-SG" dirty="0"/>
+          </a:p>
+        </p:txBody>
+      </p:sp>
+    </p:spTree>
+    <p:extLst>
+      <p:ext uri="{BB962C8B-B14F-4D97-AF65-F5344CB8AC3E}">
+        <p14:creationId xmlns:p14="http://schemas.microsoft.com/office/powerpoint/2010/main" val="1506374846"/>
+      </p:ext>
+    </p:extLst>
+  </p:cSld>
+  <p:clrMapOvr>
+    <a:masterClrMapping/>
+  </p:clrMapOvr>
+  <p:timing>
+    <p:tnLst>
+      <p:par>
+        <p:cTn id="1" dur="indefinite" restart="never" nodeType="tmRoot">
+          <p:childTnLst>
+            <p:seq concurrent="1" nextAc="seek">
+              <p:cTn id="2" restart="whenNotActive" fill="hold" evtFilter="cancelBubble" nodeType="interactiveSeq">
+                <p:stCondLst>
+                  <p:cond evt="onClick" delay="0">
+                    <p:tgtEl>
+                      <p:spTgt spid="5"/>
+                    </p:tgtEl>
+                  </p:cond>
+                </p:stCondLst>
+                <p:endSync evt="end" delay="0">
+                  <p:rtn val="all"/>
+                </p:endSync>
+                <p:childTnLst>
+                  <p:par>
+                    <p:cTn id="3" fill="hold">
+                      <p:stCondLst>
+                        <p:cond delay="0"/>
+                      </p:stCondLst>
+                      <p:childTnLst>
+                        <p:par>
+                          <p:cTn id="4" fill="hold">
+                            <p:stCondLst>
+                              <p:cond delay="0"/>
+                            </p:stCondLst>
+                            <p:childTnLst>
+                              <p:par>
+                                <p:cTn id="5" presetID="2" presetClass="mediacall" presetSubtype="0" fill="hold" nodeType="clickEffect">
+                                  <p:stCondLst>
+                                    <p:cond delay="0"/>
+                                  </p:stCondLst>
+                                  <p:childTnLst>
+                                    <p:cmd type="call" cmd="togglePause">
+                                      <p:cBhvr>
+                                        <p:cTn id="6" dur="1" fill="hold"/>
+                                        <p:tgtEl>
+                                          <p:spTgt spid="5"/>
+                                        </p:tgtEl>
+                                      </p:cBhvr>
+                                    </p:cmd>
+                                  </p:childTnLst>
+                                </p:cTn>
+                              </p:par>
+                            </p:childTnLst>
+                          </p:cTn>
+                        </p:par>
+                      </p:childTnLst>
+                    </p:cTn>
+                  </p:par>
+                </p:childTnLst>
+              </p:cTn>
+              <p:nextCondLst>
+                <p:cond evt="onClick" delay="0">
+                  <p:tgtEl>
+                    <p:spTgt spid="5"/>
+                  </p:tgtEl>
+                </p:cond>
+              </p:nextCondLst>
+            </p:seq>
+            <p:video>
+              <p:cMediaNode vol="80000">
+                <p:cTn id="7" fill="hold" display="0">
+                  <p:stCondLst>
+                    <p:cond delay="indefinite"/>
+                  </p:stCondLst>
+                </p:cTn>
+                <p:tgtEl>
+                  <p:spTgt spid="5"/>
+                </p:tgtEl>
+              </p:cMediaNode>
+            </p:video>
           </p:childTnLst>
         </p:cTn>
       </p:par>
@@ -5725,6 +5760,13 @@
   <p:clrMapOvr>
     <a:masterClrMapping/>
   </p:clrMapOvr>
+  <p:timing>
+    <p:tnLst>
+      <p:par>
+        <p:cTn id="1" dur="indefinite" restart="never" nodeType="tmRoot"/>
+      </p:par>
+    </p:tnLst>
+  </p:timing>
 </p:sld>
 </file>
 
@@ -6326,7 +6368,7 @@
                                         <p:tgtEl>
                                           <p:spTgt spid="12">
                                             <p:txEl>
-                                              <p:pRg st="5" end="5"/>
+                                              <p:pRg st="3" end="3"/>
                                             </p:txEl>
                                           </p:spTgt>
                                         </p:tgtEl>
@@ -6344,6 +6386,92 @@
                                         <p:tgtEl>
                                           <p:spTgt spid="12">
                                             <p:txEl>
+                                              <p:pRg st="3" end="3"/>
+                                            </p:txEl>
+                                          </p:spTgt>
+                                        </p:tgtEl>
+                                      </p:cBhvr>
+                                    </p:animEffect>
+                                  </p:childTnLst>
+                                </p:cTn>
+                              </p:par>
+                              <p:par>
+                                <p:cTn id="8" presetID="10" presetClass="entr" presetSubtype="0" fill="hold" nodeType="withEffect">
+                                  <p:stCondLst>
+                                    <p:cond delay="0"/>
+                                  </p:stCondLst>
+                                  <p:childTnLst>
+                                    <p:set>
+                                      <p:cBhvr>
+                                        <p:cTn id="9" dur="1" fill="hold">
+                                          <p:stCondLst>
+                                            <p:cond delay="0"/>
+                                          </p:stCondLst>
+                                        </p:cTn>
+                                        <p:tgtEl>
+                                          <p:spTgt spid="12">
+                                            <p:txEl>
+                                              <p:pRg st="4" end="4"/>
+                                            </p:txEl>
+                                          </p:spTgt>
+                                        </p:tgtEl>
+                                        <p:attrNameLst>
+                                          <p:attrName>style.visibility</p:attrName>
+                                        </p:attrNameLst>
+                                      </p:cBhvr>
+                                      <p:to>
+                                        <p:strVal val="visible"/>
+                                      </p:to>
+                                    </p:set>
+                                    <p:animEffect transition="in" filter="fade">
+                                      <p:cBhvr>
+                                        <p:cTn id="10" dur="500"/>
+                                        <p:tgtEl>
+                                          <p:spTgt spid="12">
+                                            <p:txEl>
+                                              <p:pRg st="4" end="4"/>
+                                            </p:txEl>
+                                          </p:spTgt>
+                                        </p:tgtEl>
+                                      </p:cBhvr>
+                                    </p:animEffect>
+                                  </p:childTnLst>
+                                </p:cTn>
+                              </p:par>
+                              <p:par>
+                                <p:cTn id="11" presetID="10" presetClass="entr" presetSubtype="0" fill="hold" nodeType="withEffect">
+                                  <p:stCondLst>
+                                    <p:cond delay="0"/>
+                                  </p:stCondLst>
+                                  <p:childTnLst>
+                                    <p:set>
+                                      <p:cBhvr>
+                                        <p:cTn id="12" dur="1" fill="hold">
+                                          <p:stCondLst>
+                                            <p:cond delay="0"/>
+                                          </p:stCondLst>
+                                        </p:cTn>
+                                        <p:tgtEl>
+                                          <p:spTgt spid="12">
+                                            <p:txEl>
+                                              <p:pRg st="5" end="5"/>
+                                            </p:txEl>
+                                          </p:spTgt>
+                                        </p:tgtEl>
+                                        <p:attrNameLst>
+                                          <p:attrName>style.visibility</p:attrName>
+                                        </p:attrNameLst>
+                                      </p:cBhvr>
+                                      <p:to>
+                                        <p:strVal val="visible"/>
+                                      </p:to>
+                                    </p:set>
+                                    <p:animEffect transition="in" filter="fade">
+                                      <p:cBhvr>
+                                        <p:cTn id="13" dur="500"/>
+                                        <p:tgtEl>
+                                          <p:spTgt spid="12">
+                                            <p:txEl>
                                               <p:pRg st="5" end="5"/>
                                             </p:txEl>
                                           </p:spTgt>
@@ -6353,33 +6481,15 @@
                                   </p:childTnLst>
                                 </p:cTn>
                               </p:par>
-                            </p:childTnLst>
-                          </p:cTn>
-                        </p:par>
-                      </p:childTnLst>
-                    </p:cTn>
-                  </p:par>
-                  <p:par>
-                    <p:cTn id="8" fill="hold">
-                      <p:stCondLst>
-                        <p:cond delay="indefinite"/>
-                      </p:stCondLst>
-                      <p:childTnLst>
-                        <p:par>
-                          <p:cTn id="9" fill="hold">
-                            <p:stCondLst>
-                              <p:cond delay="0"/>
-                            </p:stCondLst>
-                            <p:childTnLst>
                               <p:par>
-                                <p:cTn id="10" presetID="10" presetClass="entr" presetSubtype="0" fill="hold" nodeType="clickEffect">
+                                <p:cTn id="14" presetID="10" presetClass="entr" presetSubtype="0" fill="hold" nodeType="withEffect">
                                   <p:stCondLst>
                                     <p:cond delay="0"/>
                                   </p:stCondLst>
                                   <p:childTnLst>
                                     <p:set>
                                       <p:cBhvr>
-                                        <p:cTn id="11" dur="1" fill="hold">
+                                        <p:cTn id="15" dur="1" fill="hold">
                                           <p:stCondLst>
                                             <p:cond delay="0"/>
                                           </p:stCondLst>
@@ -6401,13 +6511,127 @@
                                     </p:set>
                                     <p:animEffect transition="in" filter="fade">
                                       <p:cBhvr>
-                                        <p:cTn id="12" dur="500"/>
+                                        <p:cTn id="16" dur="500"/>
                                         <p:tgtEl>
                                           <p:spTgt spid="12">
                                             <p:txEl>
                                               <p:pRg st="6" end="6"/>
                                             </p:txEl>
                                           </p:spTgt>
+                                        </p:tgtEl>
+                                      </p:cBhvr>
+                                    </p:animEffect>
+                                  </p:childTnLst>
+                                </p:cTn>
+                              </p:par>
+                              <p:par>
+                                <p:cTn id="17" presetID="10" presetClass="entr" presetSubtype="0" fill="hold" nodeType="withEffect">
+                                  <p:stCondLst>
+                                    <p:cond delay="0"/>
+                                  </p:stCondLst>
+                                  <p:childTnLst>
+                                    <p:set>
+                                      <p:cBhvr>
+                                        <p:cTn id="18" dur="1" fill="hold">
+                                          <p:stCondLst>
+                                            <p:cond delay="0"/>
+                                          </p:stCondLst>
+                                        </p:cTn>
+                                        <p:tgtEl>
+                                          <p:spTgt spid="15"/>
+                                        </p:tgtEl>
+                                        <p:attrNameLst>
+                                          <p:attrName>style.visibility</p:attrName>
+                                        </p:attrNameLst>
+                                      </p:cBhvr>
+                                      <p:to>
+                                        <p:strVal val="visible"/>
+                                      </p:to>
+                                    </p:set>
+                                    <p:animEffect transition="in" filter="fade">
+                                      <p:cBhvr>
+                                        <p:cTn id="19" dur="500"/>
+                                        <p:tgtEl>
+                                          <p:spTgt spid="15"/>
+                                        </p:tgtEl>
+                                      </p:cBhvr>
+                                    </p:animEffect>
+                                  </p:childTnLst>
+                                </p:cTn>
+                              </p:par>
+                            </p:childTnLst>
+                          </p:cTn>
+                        </p:par>
+                        <p:par>
+                          <p:cTn id="20" fill="hold">
+                            <p:stCondLst>
+                              <p:cond delay="500"/>
+                            </p:stCondLst>
+                            <p:childTnLst>
+                              <p:par>
+                                <p:cTn id="21" presetID="10" presetClass="entr" presetSubtype="0" fill="hold" nodeType="afterEffect">
+                                  <p:stCondLst>
+                                    <p:cond delay="0"/>
+                                  </p:stCondLst>
+                                  <p:childTnLst>
+                                    <p:set>
+                                      <p:cBhvr>
+                                        <p:cTn id="22" dur="1" fill="hold">
+                                          <p:stCondLst>
+                                            <p:cond delay="0"/>
+                                          </p:stCondLst>
+                                        </p:cTn>
+                                        <p:tgtEl>
+                                          <p:spTgt spid="13"/>
+                                        </p:tgtEl>
+                                        <p:attrNameLst>
+                                          <p:attrName>style.visibility</p:attrName>
+                                        </p:attrNameLst>
+                                      </p:cBhvr>
+                                      <p:to>
+                                        <p:strVal val="visible"/>
+                                      </p:to>
+                                    </p:set>
+                                    <p:animEffect transition="in" filter="fade">
+                                      <p:cBhvr>
+                                        <p:cTn id="23" dur="500"/>
+                                        <p:tgtEl>
+                                          <p:spTgt spid="13"/>
+                                        </p:tgtEl>
+                                      </p:cBhvr>
+                                    </p:animEffect>
+                                  </p:childTnLst>
+                                </p:cTn>
+                              </p:par>
+                              <p:par>
+                                <p:cTn id="24" presetID="10" presetClass="entr" presetSubtype="0" fill="hold" grpId="0" nodeType="withEffect">
+                                  <p:stCondLst>
+                                    <p:cond delay="0"/>
+                                  </p:stCondLst>
+                                  <p:childTnLst>
+                                    <p:set>
+                                      <p:cBhvr>
+                                        <p:cTn id="25" dur="1" fill="hold">
+                                          <p:stCondLst>
+                                            <p:cond delay="0"/>
+                                          </p:stCondLst>
+                                        </p:cTn>
+                                        <p:tgtEl>
+                                          <p:spTgt spid="14"/>
+                                        </p:tgtEl>
+                                        <p:attrNameLst>
+                                          <p:attrName>style.visibility</p:attrName>
+                                        </p:attrNameLst>
+                                      </p:cBhvr>
+                                      <p:to>
+                                        <p:strVal val="visible"/>
+                                      </p:to>
+                                    </p:set>
+                                    <p:animEffect transition="in" filter="fade">
+                                      <p:cBhvr>
+                                        <p:cTn id="26" dur="500"/>
+                                        <p:tgtEl>
+                                          <p:spTgt spid="14"/>
                                         </p:tgtEl>
                                       </p:cBhvr>
                                     </p:animEffect>
@@ -6421,26 +6645,26 @@
                     </p:cTn>
                   </p:par>
                   <p:par>
-                    <p:cTn id="13" fill="hold">
+                    <p:cTn id="27" fill="hold">
                       <p:stCondLst>
                         <p:cond delay="indefinite"/>
                       </p:stCondLst>
                       <p:childTnLst>
                         <p:par>
-                          <p:cTn id="14" fill="hold">
+                          <p:cTn id="28" fill="hold">
                             <p:stCondLst>
                               <p:cond delay="0"/>
                             </p:stCondLst>
                             <p:childTnLst>
                               <p:par>
-                                <p:cTn id="15" presetID="10" presetClass="entr" presetSubtype="0" fill="hold" nodeType="clickEffect">
+                                <p:cTn id="29" presetID="10" presetClass="entr" presetSubtype="0" fill="hold" nodeType="clickEffect">
                                   <p:stCondLst>
                                     <p:cond delay="0"/>
                                   </p:stCondLst>
                                   <p:childTnLst>
                                     <p:set>
                                       <p:cBhvr>
-                                        <p:cTn id="16" dur="1" fill="hold">
+                                        <p:cTn id="30" dur="1" fill="hold">
                                           <p:stCondLst>
                                             <p:cond delay="0"/>
                                           </p:stCondLst>
@@ -6462,83 +6686,13 @@
                                     </p:set>
                                     <p:animEffect transition="in" filter="fade">
                                       <p:cBhvr>
-                                        <p:cTn id="17" dur="500"/>
+                                        <p:cTn id="31" dur="500"/>
                                         <p:tgtEl>
                                           <p:spTgt spid="12">
                                             <p:txEl>
                                               <p:pRg st="8" end="8"/>
                                             </p:txEl>
                                           </p:spTgt>
-                                        </p:tgtEl>
-                                      </p:cBhvr>
-                                    </p:animEffect>
-                                  </p:childTnLst>
-                                </p:cTn>
-                              </p:par>
-                              <p:par>
-                                <p:cTn id="18" presetID="10" presetClass="entr" presetSubtype="0" fill="hold" nodeType="withEffect">
-                                  <p:stCondLst>
-                                    <p:cond delay="0"/>
-                                  </p:stCondLst>
-                                  <p:childTnLst>
-                                    <p:set>
-                                      <p:cBhvr>
-                                        <p:cTn id="19" dur="1" fill="hold">
-                                          <p:stCondLst>
-                                            <p:cond delay="0"/>
-                                          </p:stCondLst>
-                                        </p:cTn>
-                                        <p:tgtEl>
-                                          <p:spTgt spid="13"/>
-                                        </p:tgtEl>
-                                        <p:attrNameLst>
-                                          <p:attrName>style.visibility</p:attrName>
-                                        </p:attrNameLst>
-                                      </p:cBhvr>
-                                      <p:to>
-                                        <p:strVal val="visible"/>
-                                      </p:to>
-                                    </p:set>
-                                    <p:animEffect transition="in" filter="fade">
-                                      <p:cBhvr>
-                                        <p:cTn id="20" dur="500"/>
-                                        <p:tgtEl>
-                                          <p:spTgt spid="13"/>
-                                        </p:tgtEl>
-                                      </p:cBhvr>
-                                    </p:animEffect>
-                                  </p:childTnLst>
-                                </p:cTn>
-                              </p:par>
-                              <p:par>
-                                <p:cTn id="21" presetID="10" presetClass="entr" presetSubtype="0" fill="hold" grpId="0" nodeType="withEffect">
-                                  <p:stCondLst>
-                                    <p:cond delay="0"/>
-                                  </p:stCondLst>
-                                  <p:childTnLst>
-                                    <p:set>
-                                      <p:cBhvr>
-                                        <p:cTn id="22" dur="1" fill="hold">
-                                          <p:stCondLst>
-                                            <p:cond delay="0"/>
-                                          </p:stCondLst>
-                                        </p:cTn>
-                                        <p:tgtEl>
-                                          <p:spTgt spid="14"/>
-                                        </p:tgtEl>
-                                        <p:attrNameLst>
-                                          <p:attrName>style.visibility</p:attrName>
-                                        </p:attrNameLst>
-                                      </p:cBhvr>
-                                      <p:to>
-                                        <p:strVal val="visible"/>
-                                      </p:to>
-                                    </p:set>
-                                    <p:animEffect transition="in" filter="fade">
-                                      <p:cBhvr>
-                                        <p:cTn id="23" dur="500"/>
-                                        <p:tgtEl>
-                                          <p:spTgt spid="14"/>
                                         </p:tgtEl>
                                       </p:cBhvr>
                                     </p:animEffect>
@@ -7503,6 +7657,13 @@
   <p:clrMapOvr>
     <a:masterClrMapping/>
   </p:clrMapOvr>
+  <p:timing>
+    <p:tnLst>
+      <p:par>
+        <p:cTn id="1" dur="indefinite" restart="never" nodeType="tmRoot"/>
+      </p:par>
+    </p:tnLst>
+  </p:timing>
 </p:sld>
 </file>
 

--- a/sp-auto-door-unlocker-slides.pptx
+++ b/sp-auto-door-unlocker-slides.pptx
@@ -4238,14 +4238,31 @@
             </a:r>
             <a:r>
               <a:rPr lang="en-SG" sz="2400" dirty="0"/>
-              <a:t> 3.3V Logic Level</a:t>
-            </a:r>
-          </a:p>
-          <a:p>
+              <a:t> </a:t>
+            </a:r>
             <a:r>
               <a:rPr lang="en-SG" sz="2400" dirty="0"/>
-              <a:t>Remote is 12V Logic Levels</a:t>
-            </a:r>
+              <a:t>5</a:t>
+            </a:r>
+            <a:r>
+              <a:rPr lang="en-SG" sz="2400" dirty="0" smtClean="0"/>
+              <a:t>V </a:t>
+            </a:r>
+            <a:r>
+              <a:rPr lang="en-SG" sz="2400" dirty="0"/>
+              <a:t>Logic Level</a:t>
+            </a:r>
+          </a:p>
+          <a:p>
+            <a:r>
+              <a:rPr lang="en-SG" sz="2400" dirty="0"/>
+              <a:t>Remote is 12V Logic </a:t>
+            </a:r>
+            <a:r>
+              <a:rPr lang="en-SG" sz="2400" dirty="0" smtClean="0"/>
+              <a:t>Level</a:t>
+            </a:r>
+            <a:endParaRPr lang="en-SG" sz="2400" dirty="0"/>
           </a:p>
           <a:p>
             <a:endParaRPr lang="en-SG" sz="2400" dirty="0"/>
